--- a/DAA Project.pptx
+++ b/DAA Project.pptx
@@ -2,7 +2,7 @@
 <file path=ppt/presentation.xml><?xml version="1.0" encoding="utf-8"?>
 <p:presentation xmlns:a="http://schemas.openxmlformats.org/drawingml/2006/main" xmlns:r="http://schemas.openxmlformats.org/officeDocument/2006/relationships" xmlns:p="http://schemas.openxmlformats.org/presentationml/2006/main" saveSubsetFonts="1">
   <p:sldMasterIdLst>
-    <p:sldMasterId id="2147483660" r:id="rId1"/>
+    <p:sldMasterId id="2147483711" r:id="rId1"/>
   </p:sldMasterIdLst>
   <p:sldIdLst>
     <p:sldId id="256" r:id="rId2"/>
@@ -11,6 +11,7 @@
     <p:sldId id="262" r:id="rId5"/>
     <p:sldId id="263" r:id="rId6"/>
     <p:sldId id="261" r:id="rId7"/>
+    <p:sldId id="264" r:id="rId8"/>
   </p:sldIdLst>
   <p:sldSz cx="12192000" cy="6858000"/>
   <p:notesSz cx="6858000" cy="9144000"/>
@@ -890,7 +891,7 @@
     </p:spTree>
     <p:extLst>
       <p:ext uri="{BB962C8B-B14F-4D97-AF65-F5344CB8AC3E}">
-        <p14:creationId xmlns:p14="http://schemas.microsoft.com/office/powerpoint/2010/main" val="4165274288"/>
+        <p14:creationId xmlns:p14="http://schemas.microsoft.com/office/powerpoint/2010/main" val="1069210029"/>
       </p:ext>
     </p:extLst>
   </p:cSld>
@@ -1141,7 +1142,7 @@
     </p:spTree>
     <p:extLst>
       <p:ext uri="{BB962C8B-B14F-4D97-AF65-F5344CB8AC3E}">
-        <p14:creationId xmlns:p14="http://schemas.microsoft.com/office/powerpoint/2010/main" val="3288388558"/>
+        <p14:creationId xmlns:p14="http://schemas.microsoft.com/office/powerpoint/2010/main" val="1314488059"/>
       </p:ext>
     </p:extLst>
   </p:cSld>
@@ -1545,7 +1546,7 @@
     </p:spTree>
     <p:extLst>
       <p:ext uri="{BB962C8B-B14F-4D97-AF65-F5344CB8AC3E}">
-        <p14:creationId xmlns:p14="http://schemas.microsoft.com/office/powerpoint/2010/main" val="900990486"/>
+        <p14:creationId xmlns:p14="http://schemas.microsoft.com/office/powerpoint/2010/main" val="4253171911"/>
       </p:ext>
     </p:extLst>
   </p:cSld>
@@ -1796,7 +1797,7 @@
     </p:spTree>
     <p:extLst>
       <p:ext uri="{BB962C8B-B14F-4D97-AF65-F5344CB8AC3E}">
-        <p14:creationId xmlns:p14="http://schemas.microsoft.com/office/powerpoint/2010/main" val="1484593143"/>
+        <p14:creationId xmlns:p14="http://schemas.microsoft.com/office/powerpoint/2010/main" val="4134721007"/>
       </p:ext>
     </p:extLst>
   </p:cSld>
@@ -2192,7 +2193,7 @@
     </p:spTree>
     <p:extLst>
       <p:ext uri="{BB962C8B-B14F-4D97-AF65-F5344CB8AC3E}">
-        <p14:creationId xmlns:p14="http://schemas.microsoft.com/office/powerpoint/2010/main" val="2154438414"/>
+        <p14:creationId xmlns:p14="http://schemas.microsoft.com/office/powerpoint/2010/main" val="3634360688"/>
       </p:ext>
     </p:extLst>
   </p:cSld>
@@ -2503,7 +2504,7 @@
     </p:spTree>
     <p:extLst>
       <p:ext uri="{BB962C8B-B14F-4D97-AF65-F5344CB8AC3E}">
-        <p14:creationId xmlns:p14="http://schemas.microsoft.com/office/powerpoint/2010/main" val="3116370122"/>
+        <p14:creationId xmlns:p14="http://schemas.microsoft.com/office/powerpoint/2010/main" val="745673257"/>
       </p:ext>
     </p:extLst>
   </p:cSld>
@@ -2673,7 +2674,7 @@
     </p:spTree>
     <p:extLst>
       <p:ext uri="{BB962C8B-B14F-4D97-AF65-F5344CB8AC3E}">
-        <p14:creationId xmlns:p14="http://schemas.microsoft.com/office/powerpoint/2010/main" val="1315213777"/>
+        <p14:creationId xmlns:p14="http://schemas.microsoft.com/office/powerpoint/2010/main" val="3526991621"/>
       </p:ext>
     </p:extLst>
   </p:cSld>
@@ -2853,7 +2854,7 @@
     </p:spTree>
     <p:extLst>
       <p:ext uri="{BB962C8B-B14F-4D97-AF65-F5344CB8AC3E}">
-        <p14:creationId xmlns:p14="http://schemas.microsoft.com/office/powerpoint/2010/main" val="4130927342"/>
+        <p14:creationId xmlns:p14="http://schemas.microsoft.com/office/powerpoint/2010/main" val="2752474476"/>
       </p:ext>
     </p:extLst>
   </p:cSld>
@@ -3029,7 +3030,7 @@
     </p:spTree>
     <p:extLst>
       <p:ext uri="{BB962C8B-B14F-4D97-AF65-F5344CB8AC3E}">
-        <p14:creationId xmlns:p14="http://schemas.microsoft.com/office/powerpoint/2010/main" val="2801756583"/>
+        <p14:creationId xmlns:p14="http://schemas.microsoft.com/office/powerpoint/2010/main" val="2807852476"/>
       </p:ext>
     </p:extLst>
   </p:cSld>
@@ -3276,7 +3277,7 @@
     </p:spTree>
     <p:extLst>
       <p:ext uri="{BB962C8B-B14F-4D97-AF65-F5344CB8AC3E}">
-        <p14:creationId xmlns:p14="http://schemas.microsoft.com/office/powerpoint/2010/main" val="3192561660"/>
+        <p14:creationId xmlns:p14="http://schemas.microsoft.com/office/powerpoint/2010/main" val="2580437931"/>
       </p:ext>
     </p:extLst>
   </p:cSld>
@@ -3508,7 +3509,7 @@
     </p:spTree>
     <p:extLst>
       <p:ext uri="{BB962C8B-B14F-4D97-AF65-F5344CB8AC3E}">
-        <p14:creationId xmlns:p14="http://schemas.microsoft.com/office/powerpoint/2010/main" val="2953029494"/>
+        <p14:creationId xmlns:p14="http://schemas.microsoft.com/office/powerpoint/2010/main" val="2824488553"/>
       </p:ext>
     </p:extLst>
   </p:cSld>
@@ -3882,7 +3883,7 @@
     </p:spTree>
     <p:extLst>
       <p:ext uri="{BB962C8B-B14F-4D97-AF65-F5344CB8AC3E}">
-        <p14:creationId xmlns:p14="http://schemas.microsoft.com/office/powerpoint/2010/main" val="3165947949"/>
+        <p14:creationId xmlns:p14="http://schemas.microsoft.com/office/powerpoint/2010/main" val="3659665446"/>
       </p:ext>
     </p:extLst>
   </p:cSld>
@@ -4005,7 +4006,7 @@
     </p:spTree>
     <p:extLst>
       <p:ext uri="{BB962C8B-B14F-4D97-AF65-F5344CB8AC3E}">
-        <p14:creationId xmlns:p14="http://schemas.microsoft.com/office/powerpoint/2010/main" val="2788583911"/>
+        <p14:creationId xmlns:p14="http://schemas.microsoft.com/office/powerpoint/2010/main" val="1496752353"/>
       </p:ext>
     </p:extLst>
   </p:cSld>
@@ -4100,7 +4101,7 @@
     </p:spTree>
     <p:extLst>
       <p:ext uri="{BB962C8B-B14F-4D97-AF65-F5344CB8AC3E}">
-        <p14:creationId xmlns:p14="http://schemas.microsoft.com/office/powerpoint/2010/main" val="3730799837"/>
+        <p14:creationId xmlns:p14="http://schemas.microsoft.com/office/powerpoint/2010/main" val="3549607912"/>
       </p:ext>
     </p:extLst>
   </p:cSld>
@@ -4355,7 +4356,7 @@
     </p:spTree>
     <p:extLst>
       <p:ext uri="{BB962C8B-B14F-4D97-AF65-F5344CB8AC3E}">
-        <p14:creationId xmlns:p14="http://schemas.microsoft.com/office/powerpoint/2010/main" val="733602795"/>
+        <p14:creationId xmlns:p14="http://schemas.microsoft.com/office/powerpoint/2010/main" val="583688374"/>
       </p:ext>
     </p:extLst>
   </p:cSld>
@@ -4618,7 +4619,7 @@
     </p:spTree>
     <p:extLst>
       <p:ext uri="{BB962C8B-B14F-4D97-AF65-F5344CB8AC3E}">
-        <p14:creationId xmlns:p14="http://schemas.microsoft.com/office/powerpoint/2010/main" val="4238833511"/>
+        <p14:creationId xmlns:p14="http://schemas.microsoft.com/office/powerpoint/2010/main" val="4115064932"/>
       </p:ext>
     </p:extLst>
   </p:cSld>
@@ -5395,28 +5396,28 @@
     </p:spTree>
     <p:extLst>
       <p:ext uri="{BB962C8B-B14F-4D97-AF65-F5344CB8AC3E}">
-        <p14:creationId xmlns:p14="http://schemas.microsoft.com/office/powerpoint/2010/main" val="3563739739"/>
+        <p14:creationId xmlns:p14="http://schemas.microsoft.com/office/powerpoint/2010/main" val="4022987079"/>
       </p:ext>
     </p:extLst>
   </p:cSld>
   <p:clrMap bg1="lt1" tx1="dk1" bg2="lt2" tx2="dk2" accent1="accent1" accent2="accent2" accent3="accent3" accent4="accent4" accent5="accent5" accent6="accent6" hlink="hlink" folHlink="folHlink"/>
   <p:sldLayoutIdLst>
-    <p:sldLayoutId id="2147483661" r:id="rId1"/>
-    <p:sldLayoutId id="2147483662" r:id="rId2"/>
-    <p:sldLayoutId id="2147483663" r:id="rId3"/>
-    <p:sldLayoutId id="2147483664" r:id="rId4"/>
-    <p:sldLayoutId id="2147483665" r:id="rId5"/>
-    <p:sldLayoutId id="2147483666" r:id="rId6"/>
-    <p:sldLayoutId id="2147483667" r:id="rId7"/>
-    <p:sldLayoutId id="2147483668" r:id="rId8"/>
-    <p:sldLayoutId id="2147483669" r:id="rId9"/>
-    <p:sldLayoutId id="2147483670" r:id="rId10"/>
-    <p:sldLayoutId id="2147483671" r:id="rId11"/>
-    <p:sldLayoutId id="2147483672" r:id="rId12"/>
-    <p:sldLayoutId id="2147483673" r:id="rId13"/>
-    <p:sldLayoutId id="2147483674" r:id="rId14"/>
-    <p:sldLayoutId id="2147483675" r:id="rId15"/>
-    <p:sldLayoutId id="2147483676" r:id="rId16"/>
+    <p:sldLayoutId id="2147483712" r:id="rId1"/>
+    <p:sldLayoutId id="2147483713" r:id="rId2"/>
+    <p:sldLayoutId id="2147483714" r:id="rId3"/>
+    <p:sldLayoutId id="2147483715" r:id="rId4"/>
+    <p:sldLayoutId id="2147483716" r:id="rId5"/>
+    <p:sldLayoutId id="2147483717" r:id="rId6"/>
+    <p:sldLayoutId id="2147483718" r:id="rId7"/>
+    <p:sldLayoutId id="2147483719" r:id="rId8"/>
+    <p:sldLayoutId id="2147483720" r:id="rId9"/>
+    <p:sldLayoutId id="2147483721" r:id="rId10"/>
+    <p:sldLayoutId id="2147483722" r:id="rId11"/>
+    <p:sldLayoutId id="2147483723" r:id="rId12"/>
+    <p:sldLayoutId id="2147483724" r:id="rId13"/>
+    <p:sldLayoutId id="2147483725" r:id="rId14"/>
+    <p:sldLayoutId id="2147483726" r:id="rId15"/>
+    <p:sldLayoutId id="2147483727" r:id="rId16"/>
   </p:sldLayoutIdLst>
   <p:txStyles>
     <p:titleStyle>
@@ -5850,14 +5851,22 @@
             <p:ph type="ctrTitle"/>
           </p:nvPr>
         </p:nvSpPr>
-        <p:spPr/>
+        <p:spPr>
+          <a:xfrm>
+            <a:off x="2994211" y="2521076"/>
+            <a:ext cx="4433062" cy="1646302"/>
+          </a:xfrm>
+        </p:spPr>
         <p:txBody>
           <a:bodyPr/>
           <a:lstStyle/>
           <a:p>
             <a:r>
-              <a:rPr lang="en-IN" i="1" dirty="0"/>
-              <a:t>DAA Interview Project</a:t>
+              <a:rPr lang="en-IN" sz="6000" i="1" dirty="0">
+                <a:latin typeface="Times New Roman" panose="02020603050405020304" pitchFamily="18" charset="0"/>
+                <a:cs typeface="Times New Roman" panose="02020603050405020304" pitchFamily="18" charset="0"/>
+              </a:rPr>
+              <a:t>DAA Project</a:t>
             </a:r>
           </a:p>
         </p:txBody>
@@ -5914,7 +5923,10 @@
           <a:lstStyle/>
           <a:p>
             <a:r>
-              <a:rPr lang="en-IN" dirty="0"/>
+              <a:rPr lang="en-IN" dirty="0">
+                <a:latin typeface="Times New Roman" panose="02020603050405020304" pitchFamily="18" charset="0"/>
+                <a:cs typeface="Times New Roman" panose="02020603050405020304" pitchFamily="18" charset="0"/>
+              </a:rPr>
               <a:t>Scope of the Project</a:t>
             </a:r>
           </a:p>
@@ -5956,7 +5968,10 @@
               <a:buNone/>
             </a:pPr>
             <a:r>
-              <a:rPr lang="en-IN" b="1" dirty="0"/>
+              <a:rPr lang="en-IN" b="1" dirty="0">
+                <a:latin typeface="Times New Roman" panose="02020603050405020304" pitchFamily="18" charset="0"/>
+                <a:cs typeface="Times New Roman" panose="02020603050405020304" pitchFamily="18" charset="0"/>
+              </a:rPr>
               <a:t>Problem Statement:</a:t>
             </a:r>
           </a:p>
@@ -5967,7 +5982,8 @@
                   <a:srgbClr val="000000"/>
                 </a:solidFill>
                 <a:effectLst/>
-                <a:latin typeface="inherit"/>
+                <a:latin typeface="Times New Roman" panose="02020603050405020304" pitchFamily="18" charset="0"/>
+                <a:cs typeface="Times New Roman" panose="02020603050405020304" pitchFamily="18" charset="0"/>
               </a:rPr>
               <a:t>Improve Customer Service at ASU (Airport Search Unit): How well we are meeting </a:t>
             </a:r>
@@ -5976,7 +5992,8 @@
                 <a:solidFill>
                   <a:srgbClr val="000000"/>
                 </a:solidFill>
-                <a:latin typeface="inherit"/>
+                <a:latin typeface="Times New Roman" panose="02020603050405020304" pitchFamily="18" charset="0"/>
+                <a:cs typeface="Times New Roman" panose="02020603050405020304" pitchFamily="18" charset="0"/>
               </a:rPr>
               <a:t>customer expectations.</a:t>
             </a:r>
@@ -5986,7 +6003,8 @@
                   <a:srgbClr val="000000"/>
                 </a:solidFill>
                 <a:effectLst/>
-                <a:latin typeface="inherit"/>
+                <a:latin typeface="Times New Roman" panose="02020603050405020304" pitchFamily="18" charset="0"/>
+                <a:cs typeface="Times New Roman" panose="02020603050405020304" pitchFamily="18" charset="0"/>
               </a:rPr>
               <a:t> By visualizing SLA performance metrics? </a:t>
             </a:r>
@@ -5996,7 +6014,8 @@
               <a:solidFill>
                 <a:srgbClr val="000000"/>
               </a:solidFill>
-              <a:latin typeface="inherit"/>
+              <a:latin typeface="Times New Roman" panose="02020603050405020304" pitchFamily="18" charset="0"/>
+              <a:cs typeface="Times New Roman" panose="02020603050405020304" pitchFamily="18" charset="0"/>
             </a:endParaRPr>
           </a:p>
           <a:p>
@@ -6009,7 +6028,8 @@
                   <a:srgbClr val="000000"/>
                 </a:solidFill>
                 <a:effectLst/>
-                <a:latin typeface="inherit"/>
+                <a:latin typeface="Times New Roman" panose="02020603050405020304" pitchFamily="18" charset="0"/>
+                <a:cs typeface="Times New Roman" panose="02020603050405020304" pitchFamily="18" charset="0"/>
               </a:rPr>
               <a:t>Insights:</a:t>
             </a:r>
@@ -6021,17 +6041,11 @@
                   <a:srgbClr val="000000"/>
                 </a:solidFill>
                 <a:effectLst/>
-                <a:latin typeface="inherit"/>
+                <a:latin typeface="Times New Roman" panose="02020603050405020304" pitchFamily="18" charset="0"/>
+                <a:cs typeface="Times New Roman" panose="02020603050405020304" pitchFamily="18" charset="0"/>
               </a:rPr>
               <a:t>This can help business stakeholders to identify areas for improvement and optimize service delivery. </a:t>
             </a:r>
-            <a:endParaRPr lang="en-US" sz="1800" b="0" i="0" dirty="0">
-              <a:solidFill>
-                <a:srgbClr val="000000"/>
-              </a:solidFill>
-              <a:effectLst/>
-              <a:latin typeface="Calibri" panose="020F0502020204030204" pitchFamily="34" charset="0"/>
-            </a:endParaRPr>
           </a:p>
           <a:p>
             <a:endParaRPr lang="en-IN" dirty="0"/>
@@ -6095,7 +6109,10 @@
           <a:lstStyle/>
           <a:p>
             <a:r>
-              <a:rPr lang="en-IN" dirty="0"/>
+              <a:rPr lang="en-IN" dirty="0">
+                <a:latin typeface="Times New Roman" panose="02020603050405020304" pitchFamily="18" charset="0"/>
+                <a:cs typeface="Times New Roman" panose="02020603050405020304" pitchFamily="18" charset="0"/>
+              </a:rPr>
               <a:t>Description</a:t>
             </a:r>
           </a:p>
@@ -6130,42 +6147,60 @@
           <a:lstStyle/>
           <a:p>
             <a:r>
-              <a:rPr lang="en-US" dirty="0"/>
+              <a:rPr lang="en-US" dirty="0">
+                <a:latin typeface="Times New Roman" panose="02020603050405020304" pitchFamily="18" charset="0"/>
+                <a:cs typeface="Times New Roman" panose="02020603050405020304" pitchFamily="18" charset="0"/>
+              </a:rPr>
               <a:t>Building blocks of this project</a:t>
             </a:r>
           </a:p>
           <a:p>
             <a:pPr lvl="1"/>
             <a:r>
-              <a:rPr lang="en-US" dirty="0"/>
+              <a:rPr lang="en-US" dirty="0">
+                <a:latin typeface="Times New Roman" panose="02020603050405020304" pitchFamily="18" charset="0"/>
+                <a:cs typeface="Times New Roman" panose="02020603050405020304" pitchFamily="18" charset="0"/>
+              </a:rPr>
               <a:t>Less is more</a:t>
             </a:r>
           </a:p>
           <a:p>
             <a:pPr lvl="1"/>
             <a:r>
-              <a:rPr lang="en-US" dirty="0"/>
+              <a:rPr lang="en-US" dirty="0">
+                <a:latin typeface="Times New Roman" panose="02020603050405020304" pitchFamily="18" charset="0"/>
+                <a:cs typeface="Times New Roman" panose="02020603050405020304" pitchFamily="18" charset="0"/>
+              </a:rPr>
               <a:t>Mange dashboard space effectively</a:t>
             </a:r>
           </a:p>
           <a:p>
             <a:pPr lvl="1"/>
             <a:r>
-              <a:rPr lang="en-US" dirty="0"/>
+              <a:rPr lang="en-US" dirty="0">
+                <a:latin typeface="Times New Roman" panose="02020603050405020304" pitchFamily="18" charset="0"/>
+                <a:cs typeface="Times New Roman" panose="02020603050405020304" pitchFamily="18" charset="0"/>
+              </a:rPr>
               <a:t>Vary font weight and height</a:t>
             </a:r>
           </a:p>
           <a:p>
             <a:pPr lvl="1"/>
             <a:r>
-              <a:rPr lang="en-US" dirty="0"/>
+              <a:rPr lang="en-US" dirty="0">
+                <a:latin typeface="Times New Roman" panose="02020603050405020304" pitchFamily="18" charset="0"/>
+                <a:cs typeface="Times New Roman" panose="02020603050405020304" pitchFamily="18" charset="0"/>
+              </a:rPr>
               <a:t>subtle call to action text</a:t>
             </a:r>
           </a:p>
           <a:p>
             <a:pPr lvl="1"/>
             <a:r>
-              <a:rPr lang="en-US" dirty="0"/>
+              <a:rPr lang="en-US" dirty="0">
+                <a:latin typeface="Times New Roman" panose="02020603050405020304" pitchFamily="18" charset="0"/>
+                <a:cs typeface="Times New Roman" panose="02020603050405020304" pitchFamily="18" charset="0"/>
+              </a:rPr>
               <a:t>Engage interactively</a:t>
             </a:r>
           </a:p>
@@ -6229,7 +6264,10 @@
           <a:lstStyle/>
           <a:p>
             <a:r>
-              <a:rPr lang="en-IN" dirty="0"/>
+              <a:rPr lang="en-IN" dirty="0">
+                <a:latin typeface="Times New Roman" panose="02020603050405020304" pitchFamily="18" charset="0"/>
+                <a:cs typeface="Times New Roman" panose="02020603050405020304" pitchFamily="18" charset="0"/>
+              </a:rPr>
               <a:t>Assumptions</a:t>
             </a:r>
           </a:p>
@@ -6257,33 +6295,37 @@
           <a:lstStyle/>
           <a:p>
             <a:r>
-              <a:rPr lang="en-US" dirty="0"/>
-              <a:t>“</a:t>
-            </a:r>
-            <a:r>
-              <a:rPr lang="en-US" dirty="0" err="1"/>
-              <a:t>Delog</a:t>
-            </a:r>
-            <a:r>
-              <a:rPr lang="en-US" dirty="0"/>
-              <a:t>” -- Delayed</a:t>
-            </a:r>
-          </a:p>
-          <a:p>
-            <a:r>
-              <a:rPr lang="en-US" dirty="0"/>
+              <a:rPr lang="en-US" dirty="0">
+                <a:latin typeface="Times New Roman" panose="02020603050405020304" pitchFamily="18" charset="0"/>
+                <a:cs typeface="Times New Roman" panose="02020603050405020304" pitchFamily="18" charset="0"/>
+              </a:rPr>
+              <a:t>“Delog” -- Delayed</a:t>
+            </a:r>
+          </a:p>
+          <a:p>
+            <a:r>
+              <a:rPr lang="en-US" dirty="0">
+                <a:latin typeface="Times New Roman" panose="02020603050405020304" pitchFamily="18" charset="0"/>
+                <a:cs typeface="Times New Roman" panose="02020603050405020304" pitchFamily="18" charset="0"/>
+              </a:rPr>
               <a:t>"DELOG_REASON" field is used to store information about the specific factors or events that caused a flight to be delayed</a:t>
             </a:r>
           </a:p>
           <a:p>
             <a:r>
-              <a:rPr lang="en-US" dirty="0"/>
+              <a:rPr lang="en-US" dirty="0">
+                <a:latin typeface="Times New Roman" panose="02020603050405020304" pitchFamily="18" charset="0"/>
+                <a:cs typeface="Times New Roman" panose="02020603050405020304" pitchFamily="18" charset="0"/>
+              </a:rPr>
               <a:t>"AOS_ACT_RUNWAY_DATE" is probably a column that stores the actual date and time when an aircraft took off from the runway during departure in aviation-related data.</a:t>
             </a:r>
           </a:p>
           <a:p>
             <a:r>
-              <a:rPr lang="en-US" dirty="0"/>
+              <a:rPr lang="en-US" dirty="0">
+                <a:latin typeface="Times New Roman" panose="02020603050405020304" pitchFamily="18" charset="0"/>
+                <a:cs typeface="Times New Roman" panose="02020603050405020304" pitchFamily="18" charset="0"/>
+              </a:rPr>
               <a:t>“AOS_SCH_DATE" is probably a column that stores the scheduled departure date and time for a flight in aviation-related data.</a:t>
             </a:r>
           </a:p>
@@ -6351,17 +6393,29 @@
           <a:lstStyle/>
           <a:p>
             <a:r>
-              <a:rPr lang="en-US" sz="2000" dirty="0"/>
+              <a:rPr lang="en-US" sz="2000" dirty="0">
+                <a:latin typeface="Times New Roman" panose="02020603050405020304" pitchFamily="18" charset="0"/>
+                <a:cs typeface="Times New Roman" panose="02020603050405020304" pitchFamily="18" charset="0"/>
+              </a:rPr>
               <a:t>Five User Stories </a:t>
             </a:r>
             <a:br>
-              <a:rPr lang="en-US" sz="2000" dirty="0"/>
+              <a:rPr lang="en-US" sz="2000" dirty="0">
+                <a:latin typeface="Times New Roman" panose="02020603050405020304" pitchFamily="18" charset="0"/>
+                <a:cs typeface="Times New Roman" panose="02020603050405020304" pitchFamily="18" charset="0"/>
+              </a:rPr>
             </a:br>
             <a:r>
-              <a:rPr lang="en-US" sz="2000" dirty="0"/>
+              <a:rPr lang="en-US" sz="2000" dirty="0">
+                <a:latin typeface="Times New Roman" panose="02020603050405020304" pitchFamily="18" charset="0"/>
+                <a:cs typeface="Times New Roman" panose="02020603050405020304" pitchFamily="18" charset="0"/>
+              </a:rPr>
               <a:t>Aim - To provide valuable business insights for improved process management</a:t>
             </a:r>
-            <a:endParaRPr lang="en-IN" sz="2000" dirty="0"/>
+            <a:endParaRPr lang="en-IN" sz="2000" dirty="0">
+              <a:latin typeface="Times New Roman" panose="02020603050405020304" pitchFamily="18" charset="0"/>
+              <a:cs typeface="Times New Roman" panose="02020603050405020304" pitchFamily="18" charset="0"/>
+            </a:endParaRPr>
           </a:p>
         </p:txBody>
       </p:sp>
@@ -6387,31 +6441,46 @@
           <a:lstStyle/>
           <a:p>
             <a:r>
-              <a:rPr lang="en-US" dirty="0"/>
+              <a:rPr lang="en-US" dirty="0">
+                <a:latin typeface="Times New Roman" panose="02020603050405020304" pitchFamily="18" charset="0"/>
+                <a:cs typeface="Times New Roman" panose="02020603050405020304" pitchFamily="18" charset="0"/>
+              </a:rPr>
               <a:t>In which location metal detectors are used the maximum?</a:t>
             </a:r>
           </a:p>
           <a:p>
             <a:r>
-              <a:rPr lang="en-US" dirty="0"/>
+              <a:rPr lang="en-US" dirty="0">
+                <a:latin typeface="Times New Roman" panose="02020603050405020304" pitchFamily="18" charset="0"/>
+                <a:cs typeface="Times New Roman" panose="02020603050405020304" pitchFamily="18" charset="0"/>
+              </a:rPr>
               <a:t>What are the various types of machines utilized?</a:t>
             </a:r>
           </a:p>
           <a:p>
             <a:r>
-              <a:rPr lang="en-US" dirty="0"/>
+              <a:rPr lang="en-US" dirty="0">
+                <a:latin typeface="Times New Roman" panose="02020603050405020304" pitchFamily="18" charset="0"/>
+                <a:cs typeface="Times New Roman" panose="02020603050405020304" pitchFamily="18" charset="0"/>
+              </a:rPr>
               <a:t>What is the distribution of handled bags across different sublocations?</a:t>
             </a:r>
           </a:p>
           <a:p>
             <a:r>
-              <a:rPr lang="en-US" dirty="0"/>
+              <a:rPr lang="en-US" dirty="0">
+                <a:latin typeface="Times New Roman" panose="02020603050405020304" pitchFamily="18" charset="0"/>
+                <a:cs typeface="Times New Roman" panose="02020603050405020304" pitchFamily="18" charset="0"/>
+              </a:rPr>
               <a:t>What is the bag handling volume at each location?</a:t>
             </a:r>
           </a:p>
           <a:p>
             <a:r>
-              <a:rPr lang="en-US" dirty="0"/>
+              <a:rPr lang="en-US" dirty="0">
+                <a:latin typeface="Times New Roman" panose="02020603050405020304" pitchFamily="18" charset="0"/>
+                <a:cs typeface="Times New Roman" panose="02020603050405020304" pitchFamily="18" charset="0"/>
+              </a:rPr>
               <a:t>What is the distribution of handled bags across different X-Ray devices?</a:t>
             </a:r>
           </a:p>
@@ -6472,7 +6541,10 @@
           <a:lstStyle/>
           <a:p>
             <a:r>
-              <a:rPr lang="en-IN" dirty="0"/>
+              <a:rPr lang="en-IN" dirty="0">
+                <a:latin typeface="Times New Roman" panose="02020603050405020304" pitchFamily="18" charset="0"/>
+                <a:cs typeface="Times New Roman" panose="02020603050405020304" pitchFamily="18" charset="0"/>
+              </a:rPr>
               <a:t>Report</a:t>
             </a:r>
           </a:p>
@@ -6515,11 +6587,16 @@
             </a:pPr>
             <a:r>
               <a:rPr lang="en-IN" dirty="0">
+                <a:latin typeface="Times New Roman" panose="02020603050405020304" pitchFamily="18" charset="0"/>
+                <a:cs typeface="Times New Roman" panose="02020603050405020304" pitchFamily="18" charset="0"/>
                 <a:hlinkClick r:id="rId2"/>
               </a:rPr>
               <a:t>DAA Project</a:t>
             </a:r>
-            <a:endParaRPr lang="en-IN" dirty="0"/>
+            <a:endParaRPr lang="en-IN" dirty="0">
+              <a:latin typeface="Times New Roman" panose="02020603050405020304" pitchFamily="18" charset="0"/>
+              <a:cs typeface="Times New Roman" panose="02020603050405020304" pitchFamily="18" charset="0"/>
+            </a:endParaRPr>
           </a:p>
         </p:txBody>
       </p:sp>
@@ -6552,7 +6629,10 @@
           <a:lstStyle/>
           <a:p>
             <a:r>
-              <a:rPr lang="en-IN" sz="1600" i="1" dirty="0"/>
+              <a:rPr lang="en-IN" sz="1600" i="1" dirty="0">
+                <a:latin typeface="Times New Roman" panose="02020603050405020304" pitchFamily="18" charset="0"/>
+                <a:cs typeface="Times New Roman" panose="02020603050405020304" pitchFamily="18" charset="0"/>
+              </a:rPr>
               <a:t>Click on the link below</a:t>
             </a:r>
           </a:p>
@@ -6562,6 +6642,246 @@
     <p:extLst>
       <p:ext uri="{BB962C8B-B14F-4D97-AF65-F5344CB8AC3E}">
         <p14:creationId xmlns:p14="http://schemas.microsoft.com/office/powerpoint/2010/main" val="273932715"/>
+      </p:ext>
+    </p:extLst>
+  </p:cSld>
+  <p:clrMapOvr>
+    <a:masterClrMapping/>
+  </p:clrMapOvr>
+</p:sld>
+</file>
+
+<file path=ppt/slides/slide7.xml><?xml version="1.0" encoding="utf-8"?>
+<p:sld xmlns:a="http://schemas.openxmlformats.org/drawingml/2006/main" xmlns:r="http://schemas.openxmlformats.org/officeDocument/2006/relationships" xmlns:p="http://schemas.openxmlformats.org/presentationml/2006/main">
+  <p:cSld>
+    <p:spTree>
+      <p:nvGrpSpPr>
+        <p:cNvPr id="1" name=""/>
+        <p:cNvGrpSpPr/>
+        <p:nvPr/>
+      </p:nvGrpSpPr>
+      <p:grpSpPr>
+        <a:xfrm>
+          <a:off x="0" y="0"/>
+          <a:ext cx="0" cy="0"/>
+          <a:chOff x="0" y="0"/>
+          <a:chExt cx="0" cy="0"/>
+        </a:xfrm>
+      </p:grpSpPr>
+      <p:sp>
+        <p:nvSpPr>
+          <p:cNvPr id="2" name="Title 1">
+            <a:extLst>
+              <a:ext uri="{FF2B5EF4-FFF2-40B4-BE49-F238E27FC236}">
+                <a16:creationId xmlns:a16="http://schemas.microsoft.com/office/drawing/2014/main" id="{0E25B026-73FF-6F7E-A57F-06A96DA06A97}"/>
+              </a:ext>
+            </a:extLst>
+          </p:cNvPr>
+          <p:cNvSpPr>
+            <a:spLocks noGrp="1"/>
+          </p:cNvSpPr>
+          <p:nvPr>
+            <p:ph type="title"/>
+          </p:nvPr>
+        </p:nvSpPr>
+        <p:spPr/>
+        <p:txBody>
+          <a:bodyPr/>
+          <a:lstStyle/>
+          <a:p>
+            <a:r>
+              <a:rPr lang="en-IN" dirty="0">
+                <a:latin typeface="Times New Roman" panose="02020603050405020304" pitchFamily="18" charset="0"/>
+                <a:cs typeface="Times New Roman" panose="02020603050405020304" pitchFamily="18" charset="0"/>
+              </a:rPr>
+              <a:t>Insights and Suggestions</a:t>
+            </a:r>
+          </a:p>
+        </p:txBody>
+      </p:sp>
+      <p:sp>
+        <p:nvSpPr>
+          <p:cNvPr id="3" name="Content Placeholder 2">
+            <a:extLst>
+              <a:ext uri="{FF2B5EF4-FFF2-40B4-BE49-F238E27FC236}">
+                <a16:creationId xmlns:a16="http://schemas.microsoft.com/office/drawing/2014/main" id="{B4B49FEF-4AA3-2C34-0303-11259644D7A0}"/>
+              </a:ext>
+            </a:extLst>
+          </p:cNvPr>
+          <p:cNvSpPr>
+            <a:spLocks noGrp="1"/>
+          </p:cNvSpPr>
+          <p:nvPr>
+            <p:ph idx="1"/>
+          </p:nvPr>
+        </p:nvSpPr>
+        <p:spPr/>
+        <p:txBody>
+          <a:bodyPr>
+            <a:normAutofit fontScale="85000" lnSpcReduction="10000"/>
+          </a:bodyPr>
+          <a:lstStyle/>
+          <a:p>
+            <a:r>
+              <a:rPr lang="en-US" dirty="0">
+                <a:latin typeface="Times New Roman" panose="02020603050405020304" pitchFamily="18" charset="0"/>
+                <a:cs typeface="Times New Roman" panose="02020603050405020304" pitchFamily="18" charset="0"/>
+              </a:rPr>
+              <a:t>The maximum number of flight delays occurred due to </a:t>
+            </a:r>
+          </a:p>
+          <a:p>
+            <a:pPr marL="0" indent="0">
+              <a:buNone/>
+            </a:pPr>
+            <a:r>
+              <a:rPr lang="en-US" dirty="0">
+                <a:latin typeface="Times New Roman" panose="02020603050405020304" pitchFamily="18" charset="0"/>
+                <a:cs typeface="Times New Roman" panose="02020603050405020304" pitchFamily="18" charset="0"/>
+              </a:rPr>
+              <a:t>	"To Retrieve something"=446, followed by </a:t>
+            </a:r>
+          </a:p>
+          <a:p>
+            <a:pPr marL="0" indent="0">
+              <a:buNone/>
+            </a:pPr>
+            <a:r>
+              <a:rPr lang="en-US" dirty="0">
+                <a:latin typeface="Times New Roman" panose="02020603050405020304" pitchFamily="18" charset="0"/>
+                <a:cs typeface="Times New Roman" panose="02020603050405020304" pitchFamily="18" charset="0"/>
+              </a:rPr>
+              <a:t>	"To Return something" = 280 delays. </a:t>
+            </a:r>
+          </a:p>
+          <a:p>
+            <a:pPr marL="0" indent="0">
+              <a:buNone/>
+            </a:pPr>
+            <a:r>
+              <a:rPr lang="en-US" dirty="0">
+                <a:latin typeface="Times New Roman" panose="02020603050405020304" pitchFamily="18" charset="0"/>
+                <a:cs typeface="Times New Roman" panose="02020603050405020304" pitchFamily="18" charset="0"/>
+              </a:rPr>
+              <a:t>	There is potential for improvement in handling these delay reasons more efficiently</a:t>
+            </a:r>
+          </a:p>
+          <a:p>
+            <a:r>
+              <a:rPr lang="en-US" dirty="0">
+                <a:latin typeface="Times New Roman" panose="02020603050405020304" pitchFamily="18" charset="0"/>
+                <a:cs typeface="Times New Roman" panose="02020603050405020304" pitchFamily="18" charset="0"/>
+              </a:rPr>
+              <a:t>Given the concentration of machine utilization at specific points(</a:t>
+            </a:r>
+            <a:r>
+              <a:rPr lang="en-US" b="1" i="1" dirty="0">
+                <a:latin typeface="Times New Roman" panose="02020603050405020304" pitchFamily="18" charset="0"/>
+                <a:cs typeface="Times New Roman" panose="02020603050405020304" pitchFamily="18" charset="0"/>
+              </a:rPr>
+              <a:t>WTMD T-1,WTMD 16</a:t>
+            </a:r>
+            <a:r>
+              <a:rPr lang="en-US" dirty="0">
+                <a:latin typeface="Times New Roman" panose="02020603050405020304" pitchFamily="18" charset="0"/>
+                <a:cs typeface="Times New Roman" panose="02020603050405020304" pitchFamily="18" charset="0"/>
+              </a:rPr>
+              <a:t>), implementing strategies to allocate passengers across different points or increasing the number of machines at the heavily utilized locations can optimize passenger flow and enhance overall efficiency</a:t>
+            </a:r>
+          </a:p>
+          <a:p>
+            <a:r>
+              <a:rPr lang="en-US" dirty="0">
+                <a:latin typeface="Times New Roman" panose="02020603050405020304" pitchFamily="18" charset="0"/>
+                <a:cs typeface="Times New Roman" panose="02020603050405020304" pitchFamily="18" charset="0"/>
+              </a:rPr>
+              <a:t>Due to the concentrated utilization of machines at specific locations(</a:t>
+            </a:r>
+            <a:r>
+              <a:rPr lang="en-US" b="1" i="1" dirty="0">
+                <a:latin typeface="Times New Roman" panose="02020603050405020304" pitchFamily="18" charset="0"/>
+                <a:cs typeface="Times New Roman" panose="02020603050405020304" pitchFamily="18" charset="0"/>
+              </a:rPr>
+              <a:t>T1 Central Search</a:t>
+            </a:r>
+            <a:r>
+              <a:rPr lang="en-US" dirty="0">
+                <a:latin typeface="Times New Roman" panose="02020603050405020304" pitchFamily="18" charset="0"/>
+                <a:cs typeface="Times New Roman" panose="02020603050405020304" pitchFamily="18" charset="0"/>
+              </a:rPr>
+              <a:t>), it is advisable to implement measures such as passenger distribution across different points or augmenting machine capacity at these focused locations to optimize operational efficiency and enhance passenger experience.</a:t>
+            </a:r>
+          </a:p>
+          <a:p>
+            <a:r>
+              <a:rPr lang="en-US" dirty="0">
+                <a:latin typeface="Times New Roman" panose="02020603050405020304" pitchFamily="18" charset="0"/>
+                <a:cs typeface="Times New Roman" panose="02020603050405020304" pitchFamily="18" charset="0"/>
+              </a:rPr>
+              <a:t>Implement strategies to redirect crowds to less crowded sub-locations(</a:t>
+            </a:r>
+            <a:r>
+              <a:rPr lang="en-US" b="1" i="1" dirty="0">
+                <a:latin typeface="Times New Roman" panose="02020603050405020304" pitchFamily="18" charset="0"/>
+                <a:cs typeface="Times New Roman" panose="02020603050405020304" pitchFamily="18" charset="0"/>
+              </a:rPr>
+              <a:t>ATRS_L2, ATRS_L15</a:t>
+            </a:r>
+            <a:r>
+              <a:rPr lang="en-US" dirty="0">
+                <a:latin typeface="Times New Roman" panose="02020603050405020304" pitchFamily="18" charset="0"/>
+                <a:cs typeface="Times New Roman" panose="02020603050405020304" pitchFamily="18" charset="0"/>
+              </a:rPr>
+              <a:t>) for improved crowd management.</a:t>
+            </a:r>
+          </a:p>
+          <a:p>
+            <a:r>
+              <a:rPr lang="en-US" dirty="0">
+                <a:latin typeface="Times New Roman" panose="02020603050405020304" pitchFamily="18" charset="0"/>
+                <a:cs typeface="Times New Roman" panose="02020603050405020304" pitchFamily="18" charset="0"/>
+              </a:rPr>
+              <a:t>To optimize efficiency, consider enhancing the number of X-ray machines at the popular main location (</a:t>
+            </a:r>
+            <a:r>
+              <a:rPr lang="en-US" b="1" i="1" dirty="0">
+                <a:latin typeface="Times New Roman" panose="02020603050405020304" pitchFamily="18" charset="0"/>
+                <a:cs typeface="Times New Roman" panose="02020603050405020304" pitchFamily="18" charset="0"/>
+              </a:rPr>
+              <a:t>T1</a:t>
+            </a:r>
+            <a:r>
+              <a:rPr lang="en-US" dirty="0">
+                <a:latin typeface="Times New Roman" panose="02020603050405020304" pitchFamily="18" charset="0"/>
+                <a:cs typeface="Times New Roman" panose="02020603050405020304" pitchFamily="18" charset="0"/>
+              </a:rPr>
+              <a:t>) and its corresponding sub-location (</a:t>
+            </a:r>
+            <a:r>
+              <a:rPr lang="en-US" b="1" i="1" dirty="0">
+                <a:latin typeface="Times New Roman" panose="02020603050405020304" pitchFamily="18" charset="0"/>
+                <a:cs typeface="Times New Roman" panose="02020603050405020304" pitchFamily="18" charset="0"/>
+              </a:rPr>
+              <a:t>T2</a:t>
+            </a:r>
+            <a:r>
+              <a:rPr lang="en-US" dirty="0">
+                <a:latin typeface="Times New Roman" panose="02020603050405020304" pitchFamily="18" charset="0"/>
+                <a:cs typeface="Times New Roman" panose="02020603050405020304" pitchFamily="18" charset="0"/>
+              </a:rPr>
+              <a:t>).</a:t>
+            </a:r>
+            <a:endParaRPr lang="en-IN" dirty="0">
+              <a:latin typeface="Times New Roman" panose="02020603050405020304" pitchFamily="18" charset="0"/>
+              <a:cs typeface="Times New Roman" panose="02020603050405020304" pitchFamily="18" charset="0"/>
+            </a:endParaRPr>
+          </a:p>
+        </p:txBody>
+      </p:sp>
+    </p:spTree>
+    <p:extLst>
+      <p:ext uri="{BB962C8B-B14F-4D97-AF65-F5344CB8AC3E}">
+        <p14:creationId xmlns:p14="http://schemas.microsoft.com/office/powerpoint/2010/main" val="3999771034"/>
       </p:ext>
     </p:extLst>
   </p:cSld>

--- a/DAA Project.pptx
+++ b/DAA Project.pptx
@@ -6006,7 +6006,7 @@
                 <a:latin typeface="Times New Roman" panose="02020603050405020304" pitchFamily="18" charset="0"/>
                 <a:cs typeface="Times New Roman" panose="02020603050405020304" pitchFamily="18" charset="0"/>
               </a:rPr>
-              <a:t> By visualizing SLA performance metrics? </a:t>
+              <a:t> by visualizing SLA performance metrics? </a:t>
             </a:r>
           </a:p>
           <a:p>
@@ -6205,6 +6205,25 @@
             </a:r>
           </a:p>
           <a:p>
+            <a:pPr lvl="1"/>
+            <a:endParaRPr lang="en-US" dirty="0">
+              <a:latin typeface="Times New Roman" panose="02020603050405020304" pitchFamily="18" charset="0"/>
+              <a:cs typeface="Times New Roman" panose="02020603050405020304" pitchFamily="18" charset="0"/>
+            </a:endParaRPr>
+          </a:p>
+          <a:p>
+            <a:pPr marL="457200" lvl="1" indent="0">
+              <a:buNone/>
+            </a:pPr>
+            <a:r>
+              <a:rPr lang="en-US" dirty="0">
+                <a:latin typeface="Times New Roman" panose="02020603050405020304" pitchFamily="18" charset="0"/>
+                <a:cs typeface="Times New Roman" panose="02020603050405020304" pitchFamily="18" charset="0"/>
+              </a:rPr>
+              <a:t> </a:t>
+            </a:r>
+          </a:p>
+          <a:p>
             <a:endParaRPr lang="en-US" dirty="0"/>
           </a:p>
           <a:p>
@@ -6289,7 +6308,12 @@
             <p:ph idx="1"/>
           </p:nvPr>
         </p:nvSpPr>
-        <p:spPr/>
+        <p:spPr>
+          <a:xfrm>
+            <a:off x="677334" y="1488613"/>
+            <a:ext cx="8596668" cy="3880773"/>
+          </a:xfrm>
+        </p:spPr>
         <p:txBody>
           <a:bodyPr/>
           <a:lstStyle/>
@@ -6445,7 +6469,7 @@
                 <a:latin typeface="Times New Roman" panose="02020603050405020304" pitchFamily="18" charset="0"/>
                 <a:cs typeface="Times New Roman" panose="02020603050405020304" pitchFamily="18" charset="0"/>
               </a:rPr>
-              <a:t>In which location metal detectors are used the maximum?</a:t>
+              <a:t>In which locations metal detectors are used the maximum?</a:t>
             </a:r>
           </a:p>
           <a:p>
